--- a/Презентация.pptx
+++ b/Презентация.pptx
@@ -5,7 +5,7 @@
     <p:sldMasterId id="2147483648" r:id="rId1"/>
   </p:sldMasterIdLst>
   <p:notesMasterIdLst>
-    <p:notesMasterId r:id="rId9"/>
+    <p:notesMasterId r:id="rId10"/>
   </p:notesMasterIdLst>
   <p:sldIdLst>
     <p:sldId id="256" r:id="rId2"/>
@@ -13,8 +13,9 @@
     <p:sldId id="258" r:id="rId4"/>
     <p:sldId id="260" r:id="rId5"/>
     <p:sldId id="261" r:id="rId6"/>
-    <p:sldId id="263" r:id="rId7"/>
-    <p:sldId id="269" r:id="rId8"/>
+    <p:sldId id="271" r:id="rId7"/>
+    <p:sldId id="263" r:id="rId8"/>
+    <p:sldId id="270" r:id="rId9"/>
   </p:sldIdLst>
   <p:sldSz cx="9144000" cy="6858000" type="screen4x3"/>
   <p:notesSz cx="6858000" cy="9144000"/>
@@ -214,7 +215,7 @@
           <a:p>
             <a:fld id="{227646C8-E5E3-49CC-A239-508B429BD1A4}" type="datetimeFigureOut">
               <a:rPr lang="ru-RU" smtClean="0"/>
-              <a:t>24.05.2023</a:t>
+              <a:t>13.06.2023</a:t>
             </a:fld>
             <a:endParaRPr lang="ru-RU"/>
           </a:p>
@@ -525,7 +526,236 @@
           <a:bodyPr/>
           <a:lstStyle/>
           <a:p>
+            <a:pPr marL="0" marR="0" lvl="0" indent="0" algn="l" defTabSz="914400" rtl="0" eaLnBrk="1" fontAlgn="auto" latinLnBrk="0" hangingPunct="1">
+              <a:lnSpc>
+                <a:spcPct val="100000"/>
+              </a:lnSpc>
+              <a:spcBef>
+                <a:spcPts val="0"/>
+              </a:spcBef>
+              <a:spcAft>
+                <a:spcPts val="0"/>
+              </a:spcAft>
+              <a:buClrTx/>
+              <a:buSzTx/>
+              <a:buFontTx/>
+              <a:buNone/>
+              <a:tabLst/>
+              <a:defRPr/>
+            </a:pPr>
+            <a:r>
+              <a:rPr lang="ru-RU" dirty="0"/>
+              <a:t>Уважаемая комиссия, Вашему вниманию предлагается ДП (КП) на тему «Разработка приложения «Конфигуратор сборки ПК»</a:t>
+            </a:r>
+          </a:p>
+          <a:p>
             <a:endParaRPr lang="ru-RU" dirty="0"/>
+          </a:p>
+        </p:txBody>
+      </p:sp>
+      <p:sp>
+        <p:nvSpPr>
+          <p:cNvPr id="4" name="Номер слайда 3"/>
+          <p:cNvSpPr>
+            <a:spLocks noGrp="1"/>
+          </p:cNvSpPr>
+          <p:nvPr>
+            <p:ph type="sldNum" sz="quarter" idx="5"/>
+          </p:nvPr>
+        </p:nvSpPr>
+        <p:spPr/>
+        <p:txBody>
+          <a:bodyPr/>
+          <a:lstStyle/>
+          <a:p>
+            <a:fld id="{DE54CB7B-D3A3-4BB6-83C0-1EC68D34059F}" type="slidenum">
+              <a:rPr lang="ru-RU" smtClean="0"/>
+              <a:t>1</a:t>
+            </a:fld>
+            <a:endParaRPr lang="ru-RU"/>
+          </a:p>
+        </p:txBody>
+      </p:sp>
+    </p:spTree>
+    <p:extLst>
+      <p:ext uri="{BB962C8B-B14F-4D97-AF65-F5344CB8AC3E}">
+        <p14:creationId xmlns:p14="http://schemas.microsoft.com/office/powerpoint/2010/main" val="1889309248"/>
+      </p:ext>
+    </p:extLst>
+  </p:cSld>
+  <p:clrMapOvr>
+    <a:masterClrMapping/>
+  </p:clrMapOvr>
+</p:notes>
+</file>
+
+<file path=ppt/notesSlides/notesSlide2.xml><?xml version="1.0" encoding="utf-8"?>
+<p:notes xmlns:a="http://schemas.openxmlformats.org/drawingml/2006/main" xmlns:r="http://schemas.openxmlformats.org/officeDocument/2006/relationships" xmlns:p="http://schemas.openxmlformats.org/presentationml/2006/main">
+  <p:cSld>
+    <p:spTree>
+      <p:nvGrpSpPr>
+        <p:cNvPr id="1" name=""/>
+        <p:cNvGrpSpPr/>
+        <p:nvPr/>
+      </p:nvGrpSpPr>
+      <p:grpSpPr>
+        <a:xfrm>
+          <a:off x="0" y="0"/>
+          <a:ext cx="0" cy="0"/>
+          <a:chOff x="0" y="0"/>
+          <a:chExt cx="0" cy="0"/>
+        </a:xfrm>
+      </p:grpSpPr>
+      <p:sp>
+        <p:nvSpPr>
+          <p:cNvPr id="2" name="Образ слайда 1"/>
+          <p:cNvSpPr>
+            <a:spLocks noGrp="1" noRot="1" noChangeAspect="1"/>
+          </p:cNvSpPr>
+          <p:nvPr>
+            <p:ph type="sldImg"/>
+          </p:nvPr>
+        </p:nvSpPr>
+        <p:spPr/>
+      </p:sp>
+      <p:sp>
+        <p:nvSpPr>
+          <p:cNvPr id="3" name="Заметки 2"/>
+          <p:cNvSpPr>
+            <a:spLocks noGrp="1"/>
+          </p:cNvSpPr>
+          <p:nvPr>
+            <p:ph type="body" idx="1"/>
+          </p:nvPr>
+        </p:nvSpPr>
+        <p:spPr/>
+        <p:txBody>
+          <a:bodyPr/>
+          <a:lstStyle/>
+          <a:p>
+            <a:pPr marL="0" marR="0" lvl="0" indent="0" algn="l" defTabSz="914400" rtl="0" eaLnBrk="1" fontAlgn="auto" latinLnBrk="0" hangingPunct="1">
+              <a:lnSpc>
+                <a:spcPct val="100000"/>
+              </a:lnSpc>
+              <a:spcBef>
+                <a:spcPts val="0"/>
+              </a:spcBef>
+              <a:spcAft>
+                <a:spcPts val="0"/>
+              </a:spcAft>
+              <a:buClrTx/>
+              <a:buSzTx/>
+              <a:buFontTx/>
+              <a:buNone/>
+              <a:tabLst/>
+              <a:defRPr/>
+            </a:pPr>
+            <a:r>
+              <a:rPr lang="ru-RU" sz="1800" dirty="0">
+                <a:effectLst/>
+                <a:latin typeface="Times New Roman" panose="02020603050405020304" pitchFamily="18" charset="0"/>
+                <a:ea typeface="Times New Roman" panose="02020603050405020304" pitchFamily="18" charset="0"/>
+              </a:rPr>
+              <a:t>Конфигураторы для сборки компьютера можно найти на сайтах онлайн-магазинов, посвящённых компьютерной технике, но в процессе проведения занятий не всегда существует возможность использовать онлайн-сервисы. Поэтому для учебного процесса очень важно иметь приложение «Конфигуратор сборки ПК», с помощью которого будет показан процесс конфигурирования автоматизированного рабочего места с проверкой совместимости компонентов. </a:t>
+            </a:r>
+          </a:p>
+          <a:p>
+            <a:endParaRPr lang="ru-RU" dirty="0"/>
+          </a:p>
+        </p:txBody>
+      </p:sp>
+      <p:sp>
+        <p:nvSpPr>
+          <p:cNvPr id="4" name="Номер слайда 3"/>
+          <p:cNvSpPr>
+            <a:spLocks noGrp="1"/>
+          </p:cNvSpPr>
+          <p:nvPr>
+            <p:ph type="sldNum" sz="quarter" idx="5"/>
+          </p:nvPr>
+        </p:nvSpPr>
+        <p:spPr/>
+        <p:txBody>
+          <a:bodyPr/>
+          <a:lstStyle/>
+          <a:p>
+            <a:fld id="{DE54CB7B-D3A3-4BB6-83C0-1EC68D34059F}" type="slidenum">
+              <a:rPr lang="ru-RU" smtClean="0"/>
+              <a:t>2</a:t>
+            </a:fld>
+            <a:endParaRPr lang="ru-RU"/>
+          </a:p>
+        </p:txBody>
+      </p:sp>
+    </p:spTree>
+    <p:extLst>
+      <p:ext uri="{BB962C8B-B14F-4D97-AF65-F5344CB8AC3E}">
+        <p14:creationId xmlns:p14="http://schemas.microsoft.com/office/powerpoint/2010/main" val="2378328117"/>
+      </p:ext>
+    </p:extLst>
+  </p:cSld>
+  <p:clrMapOvr>
+    <a:masterClrMapping/>
+  </p:clrMapOvr>
+</p:notes>
+</file>
+
+<file path=ppt/notesSlides/notesSlide3.xml><?xml version="1.0" encoding="utf-8"?>
+<p:notes xmlns:a="http://schemas.openxmlformats.org/drawingml/2006/main" xmlns:r="http://schemas.openxmlformats.org/officeDocument/2006/relationships" xmlns:p="http://schemas.openxmlformats.org/presentationml/2006/main">
+  <p:cSld>
+    <p:spTree>
+      <p:nvGrpSpPr>
+        <p:cNvPr id="1" name=""/>
+        <p:cNvGrpSpPr/>
+        <p:nvPr/>
+      </p:nvGrpSpPr>
+      <p:grpSpPr>
+        <a:xfrm>
+          <a:off x="0" y="0"/>
+          <a:ext cx="0" cy="0"/>
+          <a:chOff x="0" y="0"/>
+          <a:chExt cx="0" cy="0"/>
+        </a:xfrm>
+      </p:grpSpPr>
+      <p:sp>
+        <p:nvSpPr>
+          <p:cNvPr id="2" name="Образ слайда 1"/>
+          <p:cNvSpPr>
+            <a:spLocks noGrp="1" noRot="1" noChangeAspect="1"/>
+          </p:cNvSpPr>
+          <p:nvPr>
+            <p:ph type="sldImg"/>
+          </p:nvPr>
+        </p:nvSpPr>
+        <p:spPr/>
+      </p:sp>
+      <p:sp>
+        <p:nvSpPr>
+          <p:cNvPr id="3" name="Заметки 2"/>
+          <p:cNvSpPr>
+            <a:spLocks noGrp="1"/>
+          </p:cNvSpPr>
+          <p:nvPr>
+            <p:ph type="body" idx="1"/>
+          </p:nvPr>
+        </p:nvSpPr>
+        <p:spPr/>
+        <p:txBody>
+          <a:bodyPr/>
+          <a:lstStyle/>
+          <a:p>
+            <a:r>
+              <a:rPr lang="ru-RU" dirty="0"/>
+              <a:t>Издержки на ЗП составляют большую часть затрат, </a:t>
+            </a:r>
+            <a:r>
+              <a:rPr lang="ru-RU"/>
+              <a:t>таким образом можно </a:t>
+            </a:r>
+            <a:r>
+              <a:rPr lang="ru-RU" dirty="0"/>
+              <a:t>сделать вывод что проект является трудоемким</a:t>
+            </a:r>
           </a:p>
         </p:txBody>
       </p:sp>
@@ -547,6 +777,90 @@
             <a:fld id="{DE54CB7B-D3A3-4BB6-83C0-1EC68D34059F}" type="slidenum">
               <a:rPr lang="ru-RU" smtClean="0"/>
               <a:t>6</a:t>
+            </a:fld>
+            <a:endParaRPr lang="ru-RU"/>
+          </a:p>
+        </p:txBody>
+      </p:sp>
+    </p:spTree>
+    <p:extLst>
+      <p:ext uri="{BB962C8B-B14F-4D97-AF65-F5344CB8AC3E}">
+        <p14:creationId xmlns:p14="http://schemas.microsoft.com/office/powerpoint/2010/main" val="3727793805"/>
+      </p:ext>
+    </p:extLst>
+  </p:cSld>
+  <p:clrMapOvr>
+    <a:masterClrMapping/>
+  </p:clrMapOvr>
+</p:notes>
+</file>
+
+<file path=ppt/notesSlides/notesSlide4.xml><?xml version="1.0" encoding="utf-8"?>
+<p:notes xmlns:a="http://schemas.openxmlformats.org/drawingml/2006/main" xmlns:r="http://schemas.openxmlformats.org/officeDocument/2006/relationships" xmlns:p="http://schemas.openxmlformats.org/presentationml/2006/main">
+  <p:cSld>
+    <p:spTree>
+      <p:nvGrpSpPr>
+        <p:cNvPr id="1" name=""/>
+        <p:cNvGrpSpPr/>
+        <p:nvPr/>
+      </p:nvGrpSpPr>
+      <p:grpSpPr>
+        <a:xfrm>
+          <a:off x="0" y="0"/>
+          <a:ext cx="0" cy="0"/>
+          <a:chOff x="0" y="0"/>
+          <a:chExt cx="0" cy="0"/>
+        </a:xfrm>
+      </p:grpSpPr>
+      <p:sp>
+        <p:nvSpPr>
+          <p:cNvPr id="2" name="Образ слайда 1"/>
+          <p:cNvSpPr>
+            <a:spLocks noGrp="1" noRot="1" noChangeAspect="1"/>
+          </p:cNvSpPr>
+          <p:nvPr>
+            <p:ph type="sldImg"/>
+          </p:nvPr>
+        </p:nvSpPr>
+        <p:spPr/>
+      </p:sp>
+      <p:sp>
+        <p:nvSpPr>
+          <p:cNvPr id="3" name="Заметки 2"/>
+          <p:cNvSpPr>
+            <a:spLocks noGrp="1"/>
+          </p:cNvSpPr>
+          <p:nvPr>
+            <p:ph type="body" idx="1"/>
+          </p:nvPr>
+        </p:nvSpPr>
+        <p:spPr/>
+        <p:txBody>
+          <a:bodyPr/>
+          <a:lstStyle/>
+          <a:p>
+            <a:endParaRPr lang="ru-RU" dirty="0"/>
+          </a:p>
+        </p:txBody>
+      </p:sp>
+      <p:sp>
+        <p:nvSpPr>
+          <p:cNvPr id="4" name="Номер слайда 3"/>
+          <p:cNvSpPr>
+            <a:spLocks noGrp="1"/>
+          </p:cNvSpPr>
+          <p:nvPr>
+            <p:ph type="sldNum" sz="quarter" idx="5"/>
+          </p:nvPr>
+        </p:nvSpPr>
+        <p:spPr/>
+        <p:txBody>
+          <a:bodyPr/>
+          <a:lstStyle/>
+          <a:p>
+            <a:fld id="{DE54CB7B-D3A3-4BB6-83C0-1EC68D34059F}" type="slidenum">
+              <a:rPr lang="ru-RU" smtClean="0"/>
+              <a:t>7</a:t>
             </a:fld>
             <a:endParaRPr lang="ru-RU"/>
           </a:p>
@@ -744,7 +1058,7 @@
           <a:p>
             <a:fld id="{85E1E5F0-3FEF-4606-951C-5892DEFCB6E1}" type="datetimeFigureOut">
               <a:rPr lang="ru-RU" smtClean="0"/>
-              <a:t>24.05.2023</a:t>
+              <a:t>13.06.2023</a:t>
             </a:fld>
             <a:endParaRPr lang="ru-RU"/>
           </a:p>
@@ -924,7 +1238,7 @@
           <a:p>
             <a:fld id="{85E1E5F0-3FEF-4606-951C-5892DEFCB6E1}" type="datetimeFigureOut">
               <a:rPr lang="ru-RU" smtClean="0"/>
-              <a:t>24.05.2023</a:t>
+              <a:t>13.06.2023</a:t>
             </a:fld>
             <a:endParaRPr lang="ru-RU"/>
           </a:p>
@@ -1114,7 +1428,7 @@
           <a:p>
             <a:fld id="{85E1E5F0-3FEF-4606-951C-5892DEFCB6E1}" type="datetimeFigureOut">
               <a:rPr lang="ru-RU" smtClean="0"/>
-              <a:t>24.05.2023</a:t>
+              <a:t>13.06.2023</a:t>
             </a:fld>
             <a:endParaRPr lang="ru-RU"/>
           </a:p>
@@ -1294,7 +1608,7 @@
           <a:p>
             <a:fld id="{85E1E5F0-3FEF-4606-951C-5892DEFCB6E1}" type="datetimeFigureOut">
               <a:rPr lang="ru-RU" smtClean="0"/>
-              <a:t>24.05.2023</a:t>
+              <a:t>13.06.2023</a:t>
             </a:fld>
             <a:endParaRPr lang="ru-RU"/>
           </a:p>
@@ -1551,7 +1865,7 @@
           <a:p>
             <a:fld id="{85E1E5F0-3FEF-4606-951C-5892DEFCB6E1}" type="datetimeFigureOut">
               <a:rPr lang="ru-RU" smtClean="0"/>
-              <a:t>24.05.2023</a:t>
+              <a:t>13.06.2023</a:t>
             </a:fld>
             <a:endParaRPr lang="ru-RU"/>
           </a:p>
@@ -1848,7 +2162,7 @@
           <a:p>
             <a:fld id="{85E1E5F0-3FEF-4606-951C-5892DEFCB6E1}" type="datetimeFigureOut">
               <a:rPr lang="ru-RU" smtClean="0"/>
-              <a:t>24.05.2023</a:t>
+              <a:t>13.06.2023</a:t>
             </a:fld>
             <a:endParaRPr lang="ru-RU"/>
           </a:p>
@@ -2279,7 +2593,7 @@
           <a:p>
             <a:fld id="{85E1E5F0-3FEF-4606-951C-5892DEFCB6E1}" type="datetimeFigureOut">
               <a:rPr lang="ru-RU" smtClean="0"/>
-              <a:t>24.05.2023</a:t>
+              <a:t>13.06.2023</a:t>
             </a:fld>
             <a:endParaRPr lang="ru-RU"/>
           </a:p>
@@ -2408,7 +2722,7 @@
           <a:p>
             <a:fld id="{85E1E5F0-3FEF-4606-951C-5892DEFCB6E1}" type="datetimeFigureOut">
               <a:rPr lang="ru-RU" smtClean="0"/>
-              <a:t>24.05.2023</a:t>
+              <a:t>13.06.2023</a:t>
             </a:fld>
             <a:endParaRPr lang="ru-RU"/>
           </a:p>
@@ -2515,7 +2829,7 @@
           <a:p>
             <a:fld id="{85E1E5F0-3FEF-4606-951C-5892DEFCB6E1}" type="datetimeFigureOut">
               <a:rPr lang="ru-RU" smtClean="0"/>
-              <a:t>24.05.2023</a:t>
+              <a:t>13.06.2023</a:t>
             </a:fld>
             <a:endParaRPr lang="ru-RU"/>
           </a:p>
@@ -2802,7 +3116,7 @@
           <a:p>
             <a:fld id="{85E1E5F0-3FEF-4606-951C-5892DEFCB6E1}" type="datetimeFigureOut">
               <a:rPr lang="ru-RU" smtClean="0"/>
-              <a:t>24.05.2023</a:t>
+              <a:t>13.06.2023</a:t>
             </a:fld>
             <a:endParaRPr lang="ru-RU"/>
           </a:p>
@@ -3066,7 +3380,7 @@
           <a:p>
             <a:fld id="{85E1E5F0-3FEF-4606-951C-5892DEFCB6E1}" type="datetimeFigureOut">
               <a:rPr lang="ru-RU" smtClean="0"/>
-              <a:t>24.05.2023</a:t>
+              <a:t>13.06.2023</a:t>
             </a:fld>
             <a:endParaRPr lang="ru-RU"/>
           </a:p>
@@ -3289,7 +3603,7 @@
           <a:p>
             <a:fld id="{85E1E5F0-3FEF-4606-951C-5892DEFCB6E1}" type="datetimeFigureOut">
               <a:rPr lang="ru-RU" smtClean="0"/>
-              <a:t>24.05.2023</a:t>
+              <a:t>13.06.2023</a:t>
             </a:fld>
             <a:endParaRPr lang="ru-RU"/>
           </a:p>
@@ -3764,7 +4078,7 @@
                   </a:schemeClr>
                 </a:solidFill>
               </a:rPr>
-              <a:t>Студент ПКС-91:</a:t>
+              <a:t>Дипломник:</a:t>
             </a:r>
           </a:p>
           <a:p>
@@ -3880,7 +4194,28 @@
                   </a:schemeClr>
                 </a:solidFill>
               </a:rPr>
-              <a:t>«САНКТ-ПЕТЕРБУРГСКИЙ ГОСУДАРСТВЕННЫЙ УНИВЕРСИТЕТ ТЕЛЕКОММУНИКАЦИЙ ИМ. ПРОФ. М.А. БОНЧ-БРУЕВИЧА»</a:t>
+              <a:t>«САНКТ-ПЕТЕРБУРГСКИЙ ГОСУДАРСТВЕННЫЙ УНИВЕРСИТЕТ</a:t>
+            </a:r>
+            <a:br>
+              <a:rPr lang="ru-RU" sz="1400" b="1" dirty="0">
+                <a:solidFill>
+                  <a:schemeClr val="tx2">
+                    <a:lumMod val="60000"/>
+                    <a:lumOff val="40000"/>
+                  </a:schemeClr>
+                </a:solidFill>
+              </a:rPr>
+            </a:br>
+            <a:r>
+              <a:rPr lang="ru-RU" sz="1400" b="1" dirty="0">
+                <a:solidFill>
+                  <a:schemeClr val="tx2">
+                    <a:lumMod val="60000"/>
+                    <a:lumOff val="40000"/>
+                  </a:schemeClr>
+                </a:solidFill>
+              </a:rPr>
+              <a:t>ТЕЛЕКОММУНИКАЦИЙ ИМ. ПРОФ. М.А. БОНЧ-БРУЕВИЧА»</a:t>
             </a:r>
             <a:endParaRPr lang="ru-RU" sz="1400" dirty="0">
               <a:solidFill>
@@ -4089,7 +4424,7 @@
                   </a:schemeClr>
                 </a:solidFill>
               </a:rPr>
-              <a:t>Архангельск, 2023</a:t>
+              <a:t>Архангельск 2023</a:t>
             </a:r>
           </a:p>
         </p:txBody>
@@ -4183,7 +4518,7 @@
         </p:spPr>
         <p:txBody>
           <a:bodyPr>
-            <a:normAutofit lnSpcReduction="10000"/>
+            <a:normAutofit fontScale="85000" lnSpcReduction="20000"/>
           </a:bodyPr>
           <a:lstStyle/>
           <a:p>
@@ -4191,6 +4526,15 @@
               <a:buNone/>
             </a:pPr>
             <a:r>
+              <a:rPr lang="ru-RU" dirty="0">
+                <a:solidFill>
+                  <a:srgbClr val="00B3FF"/>
+                </a:solidFill>
+                <a:latin typeface="-apple-system"/>
+              </a:rPr>
+              <a:t>Д</a:t>
+            </a:r>
+            <a:r>
               <a:rPr lang="ru-RU" b="0" i="0" dirty="0">
                 <a:solidFill>
                   <a:srgbClr val="00B3FF"/>
@@ -4198,8 +4542,101 @@
                 <a:effectLst/>
                 <a:latin typeface="-apple-system"/>
               </a:rPr>
-              <a:t>Приложение "Конфигуратор ПК" позволяет пользователям быстро и легко выбирать и настраивать конфигурацию своего компьютера, учитывая их потребности и бюджет. С помощью этого приложения пользователи могут выбрать наиболее подходящие компоненты для своего ПК, такие как процессор, видеокарта, оперативная память, жесткий диск и другие.</a:t>
-            </a:r>
+              <a:t>ля учебного процесса очень важно иметь приложение «Конфигуратор сборки ПК», с помощью которого будет показан процесс конфигурирования автоматизированного рабочего места с проверкой совместимости компонентов. </a:t>
+            </a:r>
+          </a:p>
+          <a:p>
+            <a:pPr marL="0" indent="0" algn="just">
+              <a:buNone/>
+            </a:pPr>
+            <a:r>
+              <a:rPr lang="ru-RU" b="0" i="0" dirty="0">
+                <a:solidFill>
+                  <a:srgbClr val="00B3FF"/>
+                </a:solidFill>
+                <a:effectLst/>
+                <a:latin typeface="-apple-system"/>
+              </a:rPr>
+              <a:t>Преимущества приложения</a:t>
+            </a:r>
+            <a:r>
+              <a:rPr lang="en-US" b="0" i="0" dirty="0">
+                <a:solidFill>
+                  <a:srgbClr val="00B3FF"/>
+                </a:solidFill>
+                <a:effectLst/>
+                <a:latin typeface="-apple-system"/>
+              </a:rPr>
+              <a:t>:</a:t>
+            </a:r>
+            <a:endParaRPr lang="ru-RU" b="0" i="0" dirty="0">
+              <a:solidFill>
+                <a:srgbClr val="00B3FF"/>
+              </a:solidFill>
+              <a:effectLst/>
+              <a:latin typeface="-apple-system"/>
+            </a:endParaRPr>
+          </a:p>
+          <a:p>
+            <a:pPr marL="457200" indent="-457200">
+              <a:buFont typeface="Wingdings" panose="05000000000000000000" pitchFamily="2" charset="2"/>
+              <a:buChar char="ü"/>
+            </a:pPr>
+            <a:r>
+              <a:rPr lang="ru-RU" sz="3200" dirty="0">
+                <a:solidFill>
+                  <a:srgbClr val="00B3FF"/>
+                </a:solidFill>
+              </a:rPr>
+              <a:t>возможность сохранения конфигураций в разных форматах,</a:t>
+            </a:r>
+          </a:p>
+          <a:p>
+            <a:pPr marL="457200" indent="-457200">
+              <a:buFont typeface="Wingdings" panose="05000000000000000000" pitchFamily="2" charset="2"/>
+              <a:buChar char="ü"/>
+            </a:pPr>
+            <a:r>
+              <a:rPr lang="ru-RU" sz="3200" dirty="0">
+                <a:solidFill>
+                  <a:srgbClr val="00B3FF"/>
+                </a:solidFill>
+              </a:rPr>
+              <a:t>возможность фильтрации компонентов,</a:t>
+            </a:r>
+          </a:p>
+          <a:p>
+            <a:pPr marL="457200" indent="-457200">
+              <a:buFont typeface="Wingdings" panose="05000000000000000000" pitchFamily="2" charset="2"/>
+              <a:buChar char="ü"/>
+            </a:pPr>
+            <a:r>
+              <a:rPr lang="ru-RU" sz="3200" dirty="0">
+                <a:solidFill>
+                  <a:srgbClr val="00B3FF"/>
+                </a:solidFill>
+              </a:rPr>
+              <a:t>оперативность предоставления информации,</a:t>
+            </a:r>
+          </a:p>
+          <a:p>
+            <a:pPr marL="457200" indent="-457200">
+              <a:buFont typeface="Wingdings" panose="05000000000000000000" pitchFamily="2" charset="2"/>
+              <a:buChar char="ü"/>
+            </a:pPr>
+            <a:r>
+              <a:rPr lang="ru-RU" sz="3200" dirty="0">
+                <a:solidFill>
+                  <a:srgbClr val="00B3FF"/>
+                </a:solidFill>
+              </a:rPr>
+              <a:t>комфортная среда обучения. </a:t>
+            </a:r>
+          </a:p>
+          <a:p>
+            <a:pPr marL="0" indent="0" algn="just">
+              <a:buNone/>
+            </a:pPr>
             <a:endParaRPr lang="ru-RU" dirty="0">
               <a:solidFill>
                 <a:srgbClr val="00B3FF"/>
@@ -4281,7 +4718,7 @@
           <p:nvPr/>
         </p:nvPicPr>
         <p:blipFill>
-          <a:blip r:embed="rId2" cstate="print">
+          <a:blip r:embed="rId3" cstate="print">
             <a:extLst>
               <a:ext uri="{28A0092B-C50C-407E-A947-70E740481C1C}">
                 <a14:useLocalDpi xmlns:a14="http://schemas.microsoft.com/office/drawing/2010/main" val="0"/>
@@ -4617,7 +5054,7 @@
         <p:spPr>
           <a:xfrm>
             <a:off x="486290" y="1446907"/>
-            <a:ext cx="8424936" cy="4524315"/>
+            <a:ext cx="8424936" cy="4031873"/>
           </a:xfrm>
           <a:prstGeom prst="rect">
             <a:avLst/>
@@ -4654,7 +5091,7 @@
                   <a:srgbClr val="00B3FF"/>
                 </a:solidFill>
               </a:rPr>
-              <a:t>выбрать ПО для разработки программного продукта,</a:t>
+              <a:t>выбрать ПО для разработки приложения,</a:t>
             </a:r>
           </a:p>
           <a:p>
@@ -4696,7 +5133,7 @@
                   <a:srgbClr val="00B3FF"/>
                 </a:solidFill>
               </a:rPr>
-              <a:t>спроектировать структуру и интерфейс приложения,</a:t>
+              <a:t>разработать приложение,</a:t>
             </a:r>
           </a:p>
           <a:p>
@@ -4710,7 +5147,7 @@
                   <a:srgbClr val="00B3FF"/>
                 </a:solidFill>
               </a:rPr>
-              <a:t>разработать приложение,</a:t>
+              <a:t>провести тестирование приложения,</a:t>
             </a:r>
           </a:p>
           <a:p>
@@ -4724,7 +5161,7 @@
                   <a:srgbClr val="00B3FF"/>
                 </a:solidFill>
               </a:rPr>
-              <a:t>провести тестирование приложения.</a:t>
+              <a:t>составить руководство оператора базы данных.</a:t>
             </a:r>
           </a:p>
         </p:txBody>
@@ -4886,7 +5323,7 @@
         </p:blipFill>
         <p:spPr bwMode="auto">
           <a:xfrm>
-            <a:off x="1331640" y="1636946"/>
+            <a:off x="1146800" y="4209275"/>
             <a:ext cx="2840076" cy="1775048"/>
           </a:xfrm>
           <a:prstGeom prst="rect">
@@ -4927,7 +5364,7 @@
         </p:blipFill>
         <p:spPr bwMode="auto">
           <a:xfrm>
-            <a:off x="1681802" y="4099549"/>
+            <a:off x="1475656" y="1423733"/>
             <a:ext cx="2139752" cy="2139752"/>
           </a:xfrm>
           <a:prstGeom prst="rect">
@@ -4953,7 +5390,7 @@
         </p:nvSpPr>
         <p:spPr>
           <a:xfrm>
-            <a:off x="1480336" y="3394377"/>
+            <a:off x="1295496" y="5966706"/>
             <a:ext cx="2542684" cy="461665"/>
           </a:xfrm>
           <a:prstGeom prst="rect">
@@ -4991,7 +5428,7 @@
         </p:nvSpPr>
         <p:spPr>
           <a:xfrm>
-            <a:off x="2144684" y="6137593"/>
+            <a:off x="1938538" y="3461777"/>
             <a:ext cx="1213987" cy="461665"/>
           </a:xfrm>
           <a:prstGeom prst="rect">
@@ -5050,7 +5487,7 @@
         </p:blipFill>
         <p:spPr bwMode="auto">
           <a:xfrm>
-            <a:off x="5120982" y="1632604"/>
+            <a:off x="4936142" y="4204933"/>
             <a:ext cx="3328370" cy="1872208"/>
           </a:xfrm>
           <a:prstGeom prst="rect">
@@ -5140,7 +5577,7 @@
         </p:nvSpPr>
         <p:spPr>
           <a:xfrm>
-            <a:off x="4794878" y="3394377"/>
+            <a:off x="4610038" y="5966706"/>
             <a:ext cx="3980577" cy="461665"/>
           </a:xfrm>
           <a:prstGeom prst="rect">
@@ -5207,7 +5644,7 @@
         </p:blipFill>
         <p:spPr bwMode="auto">
           <a:xfrm>
-            <a:off x="5918415" y="4302674"/>
+            <a:off x="5712269" y="1626858"/>
             <a:ext cx="1733501" cy="1733501"/>
           </a:xfrm>
           <a:prstGeom prst="rect">
@@ -5239,7 +5676,7 @@
         </p:nvSpPr>
         <p:spPr>
           <a:xfrm>
-            <a:off x="5351503" y="6137593"/>
+            <a:off x="5145357" y="3461777"/>
             <a:ext cx="2867323" cy="461665"/>
           </a:xfrm>
           <a:prstGeom prst="rect">
@@ -5321,7 +5758,12 @@
             <p:ph type="title"/>
           </p:nvPr>
         </p:nvSpPr>
-        <p:spPr/>
+        <p:spPr>
+          <a:xfrm>
+            <a:off x="495238" y="209359"/>
+            <a:ext cx="8229600" cy="1143000"/>
+          </a:xfrm>
+        </p:spPr>
         <p:txBody>
           <a:bodyPr/>
           <a:lstStyle/>
@@ -5335,156 +5777,17 @@
                   </a:schemeClr>
                 </a:solidFill>
               </a:rPr>
-              <a:t>Заключение</a:t>
-            </a:r>
-          </a:p>
-        </p:txBody>
-      </p:sp>
-      <p:sp>
-        <p:nvSpPr>
-          <p:cNvPr id="3" name="TextBox 2"/>
-          <p:cNvSpPr txBox="1"/>
-          <p:nvPr/>
-        </p:nvSpPr>
-        <p:spPr>
-          <a:xfrm>
-            <a:off x="457200" y="1535576"/>
-            <a:ext cx="8136903" cy="4339650"/>
-          </a:xfrm>
-          <a:prstGeom prst="rect">
-            <a:avLst/>
-          </a:prstGeom>
-          <a:noFill/>
-        </p:spPr>
-        <p:txBody>
-          <a:bodyPr wrap="square" rtlCol="0">
-            <a:spAutoFit/>
-          </a:bodyPr>
-          <a:lstStyle/>
-          <a:p>
-            <a:pPr marL="457200" indent="-457200">
-              <a:buFont typeface="Wingdings" panose="05000000000000000000" pitchFamily="2" charset="2"/>
-              <a:buChar char="ü"/>
-            </a:pPr>
-            <a:r>
-              <a:rPr lang="ru-RU" sz="2400" dirty="0">
-                <a:solidFill>
-                  <a:srgbClr val="00B3FF"/>
-                </a:solidFill>
-              </a:rPr>
-              <a:t>провести сбор и анализ требований,</a:t>
-            </a:r>
-          </a:p>
-          <a:p>
-            <a:pPr marL="457200" indent="-457200">
-              <a:buFont typeface="Wingdings" panose="05000000000000000000" pitchFamily="2" charset="2"/>
-              <a:buChar char="ü"/>
-            </a:pPr>
-            <a:r>
-              <a:rPr lang="ru-RU" sz="2400" dirty="0">
-                <a:solidFill>
-                  <a:srgbClr val="00B3FF"/>
-                </a:solidFill>
-              </a:rPr>
-              <a:t>выбрать ПО для разработки программного продукта,</a:t>
-            </a:r>
-          </a:p>
-          <a:p>
-            <a:pPr marL="457200" indent="-457200">
-              <a:buFont typeface="Wingdings" panose="05000000000000000000" pitchFamily="2" charset="2"/>
-              <a:buChar char="ü"/>
-            </a:pPr>
-            <a:r>
-              <a:rPr lang="ru-RU" sz="2400" dirty="0">
-                <a:solidFill>
-                  <a:srgbClr val="00B3FF"/>
-                </a:solidFill>
-              </a:rPr>
-              <a:t>изучить архитектуру компьютерных систем,</a:t>
-            </a:r>
-          </a:p>
-          <a:p>
-            <a:pPr marL="457200" indent="-457200">
-              <a:buFont typeface="Wingdings" panose="05000000000000000000" pitchFamily="2" charset="2"/>
-              <a:buChar char="ü"/>
-            </a:pPr>
-            <a:r>
-              <a:rPr lang="ru-RU" sz="2400" dirty="0">
-                <a:solidFill>
-                  <a:srgbClr val="00B3FF"/>
-                </a:solidFill>
-              </a:rPr>
-              <a:t>спроектировать и разработать базу данных</a:t>
-            </a:r>
-          </a:p>
-          <a:p>
-            <a:pPr marL="457200" indent="-457200">
-              <a:buFont typeface="Wingdings" panose="05000000000000000000" pitchFamily="2" charset="2"/>
-              <a:buChar char="ü"/>
-            </a:pPr>
-            <a:r>
-              <a:rPr lang="ru-RU" sz="2400" dirty="0">
-                <a:solidFill>
-                  <a:srgbClr val="00B3FF"/>
-                </a:solidFill>
-              </a:rPr>
-              <a:t>спроектировать структуру и интерфейс приложения,</a:t>
-            </a:r>
-          </a:p>
-          <a:p>
-            <a:pPr marL="457200" indent="-457200">
-              <a:buFont typeface="Wingdings" panose="05000000000000000000" pitchFamily="2" charset="2"/>
-              <a:buChar char="ü"/>
-            </a:pPr>
-            <a:r>
-              <a:rPr lang="ru-RU" sz="2400" dirty="0">
-                <a:solidFill>
-                  <a:srgbClr val="00B3FF"/>
-                </a:solidFill>
-              </a:rPr>
-              <a:t>разработать приложение,</a:t>
-            </a:r>
-          </a:p>
-          <a:p>
-            <a:pPr marL="457200" indent="-457200">
-              <a:buFont typeface="Wingdings" panose="05000000000000000000" pitchFamily="2" charset="2"/>
-              <a:buChar char="ü"/>
-            </a:pPr>
-            <a:r>
-              <a:rPr lang="ru-RU" sz="2400" dirty="0">
-                <a:solidFill>
-                  <a:srgbClr val="00B3FF"/>
-                </a:solidFill>
-              </a:rPr>
-              <a:t>провести тестирование приложения.</a:t>
-            </a:r>
-          </a:p>
-          <a:p>
-            <a:endParaRPr lang="ru-RU" sz="2400" dirty="0">
-              <a:solidFill>
-                <a:srgbClr val="00B3FF"/>
-              </a:solidFill>
-            </a:endParaRPr>
-          </a:p>
-          <a:p>
-            <a:pPr algn="just"/>
-            <a:r>
-              <a:rPr lang="ru-RU" sz="2800" dirty="0">
-                <a:solidFill>
-                  <a:srgbClr val="00B3FF"/>
-                </a:solidFill>
-              </a:rPr>
-              <a:t>Поставленные задачи выполнены, цель достигнута - разработано приложение «Конфигуратор сборки ПК»</a:t>
-            </a:r>
-          </a:p>
-        </p:txBody>
-      </p:sp>
-      <p:sp>
-        <p:nvSpPr>
-          <p:cNvPr id="5" name="Овал 4">
+              <a:t>Диаграмма структуры затрат</a:t>
+            </a:r>
+          </a:p>
+        </p:txBody>
+      </p:sp>
+      <p:sp>
+        <p:nvSpPr>
+          <p:cNvPr id="11" name="Овал 10">
             <a:extLst>
               <a:ext uri="{FF2B5EF4-FFF2-40B4-BE49-F238E27FC236}">
-                <a16:creationId xmlns:a16="http://schemas.microsoft.com/office/drawing/2014/main" id="{18947E99-DF66-425F-A698-22789B795E09}"/>
+                <a16:creationId xmlns:a16="http://schemas.microsoft.com/office/drawing/2014/main" id="{DF64CDE6-5EE7-4A0D-9F68-A496DD471653}"/>
               </a:ext>
             </a:extLst>
           </p:cNvPr>
@@ -5530,10 +5833,306 @@
           <a:p>
             <a:pPr algn="ctr"/>
             <a:r>
-              <a:rPr lang="en-US" sz="3600" dirty="0"/>
+              <a:rPr lang="ru-RU" sz="3600" dirty="0"/>
               <a:t>6</a:t>
             </a:r>
-            <a:endParaRPr lang="ru-RU" sz="3600" dirty="0"/>
+          </a:p>
+        </p:txBody>
+      </p:sp>
+      <p:pic>
+        <p:nvPicPr>
+          <p:cNvPr id="7" name="Рисунок 6">
+            <a:extLst>
+              <a:ext uri="{FF2B5EF4-FFF2-40B4-BE49-F238E27FC236}">
+                <a16:creationId xmlns:a16="http://schemas.microsoft.com/office/drawing/2014/main" id="{91C73B0D-F9C3-436F-8C33-ECF852ACC71B}"/>
+              </a:ext>
+            </a:extLst>
+          </p:cNvPr>
+          <p:cNvPicPr>
+            <a:picLocks noChangeAspect="1"/>
+          </p:cNvPicPr>
+          <p:nvPr/>
+        </p:nvPicPr>
+        <p:blipFill>
+          <a:blip r:embed="rId3"/>
+          <a:stretch>
+            <a:fillRect/>
+          </a:stretch>
+        </p:blipFill>
+        <p:spPr>
+          <a:xfrm>
+            <a:off x="846500" y="1514078"/>
+            <a:ext cx="7451000" cy="4468415"/>
+          </a:xfrm>
+          <a:prstGeom prst="rect">
+            <a:avLst/>
+          </a:prstGeom>
+        </p:spPr>
+      </p:pic>
+    </p:spTree>
+    <p:extLst>
+      <p:ext uri="{BB962C8B-B14F-4D97-AF65-F5344CB8AC3E}">
+        <p14:creationId xmlns:p14="http://schemas.microsoft.com/office/powerpoint/2010/main" val="299305435"/>
+      </p:ext>
+    </p:extLst>
+  </p:cSld>
+  <p:clrMapOvr>
+    <a:masterClrMapping/>
+  </p:clrMapOvr>
+  <mc:AlternateContent xmlns:mc="http://schemas.openxmlformats.org/markup-compatibility/2006">
+    <mc:Choice xmlns:p14="http://schemas.microsoft.com/office/powerpoint/2010/main" Requires="p14">
+      <p:transition spd="med" p14:dur="700">
+        <p:fade/>
+      </p:transition>
+    </mc:Choice>
+    <mc:Fallback>
+      <p:transition spd="med">
+        <p:fade/>
+      </p:transition>
+    </mc:Fallback>
+  </mc:AlternateContent>
+</p:sld>
+</file>
+
+<file path=ppt/slides/slide7.xml><?xml version="1.0" encoding="utf-8"?>
+<p:sld xmlns:a="http://schemas.openxmlformats.org/drawingml/2006/main" xmlns:r="http://schemas.openxmlformats.org/officeDocument/2006/relationships" xmlns:p="http://schemas.openxmlformats.org/presentationml/2006/main">
+  <p:cSld>
+    <p:spTree>
+      <p:nvGrpSpPr>
+        <p:cNvPr id="1" name=""/>
+        <p:cNvGrpSpPr/>
+        <p:nvPr/>
+      </p:nvGrpSpPr>
+      <p:grpSpPr>
+        <a:xfrm>
+          <a:off x="0" y="0"/>
+          <a:ext cx="0" cy="0"/>
+          <a:chOff x="0" y="0"/>
+          <a:chExt cx="0" cy="0"/>
+        </a:xfrm>
+      </p:grpSpPr>
+      <p:sp>
+        <p:nvSpPr>
+          <p:cNvPr id="2" name="Заголовок 1"/>
+          <p:cNvSpPr>
+            <a:spLocks noGrp="1"/>
+          </p:cNvSpPr>
+          <p:nvPr>
+            <p:ph type="title"/>
+          </p:nvPr>
+        </p:nvSpPr>
+        <p:spPr/>
+        <p:txBody>
+          <a:bodyPr/>
+          <a:lstStyle/>
+          <a:p>
+            <a:r>
+              <a:rPr lang="ru-RU" b="1" dirty="0">
+                <a:solidFill>
+                  <a:schemeClr val="tx2">
+                    <a:lumMod val="60000"/>
+                    <a:lumOff val="40000"/>
+                  </a:schemeClr>
+                </a:solidFill>
+              </a:rPr>
+              <a:t>Заключение</a:t>
+            </a:r>
+          </a:p>
+        </p:txBody>
+      </p:sp>
+      <p:sp>
+        <p:nvSpPr>
+          <p:cNvPr id="3" name="TextBox 2"/>
+          <p:cNvSpPr txBox="1"/>
+          <p:nvPr/>
+        </p:nvSpPr>
+        <p:spPr>
+          <a:xfrm>
+            <a:off x="457200" y="1535576"/>
+            <a:ext cx="8136903" cy="4339650"/>
+          </a:xfrm>
+          <a:prstGeom prst="rect">
+            <a:avLst/>
+          </a:prstGeom>
+          <a:noFill/>
+        </p:spPr>
+        <p:txBody>
+          <a:bodyPr wrap="square" rtlCol="0">
+            <a:spAutoFit/>
+          </a:bodyPr>
+          <a:lstStyle/>
+          <a:p>
+            <a:pPr marL="457200" indent="-457200">
+              <a:buFont typeface="Wingdings" panose="05000000000000000000" pitchFamily="2" charset="2"/>
+              <a:buChar char="ü"/>
+            </a:pPr>
+            <a:r>
+              <a:rPr lang="ru-RU" sz="2400" dirty="0">
+                <a:solidFill>
+                  <a:srgbClr val="00B3FF"/>
+                </a:solidFill>
+              </a:rPr>
+              <a:t>провести сбор и анализ требований,</a:t>
+            </a:r>
+          </a:p>
+          <a:p>
+            <a:pPr marL="457200" indent="-457200">
+              <a:buFont typeface="Wingdings" panose="05000000000000000000" pitchFamily="2" charset="2"/>
+              <a:buChar char="ü"/>
+            </a:pPr>
+            <a:r>
+              <a:rPr lang="ru-RU" sz="2400" dirty="0">
+                <a:solidFill>
+                  <a:srgbClr val="00B3FF"/>
+                </a:solidFill>
+              </a:rPr>
+              <a:t>выбрать ПО для разработки приложения,</a:t>
+            </a:r>
+          </a:p>
+          <a:p>
+            <a:pPr marL="457200" indent="-457200">
+              <a:buFont typeface="Wingdings" panose="05000000000000000000" pitchFamily="2" charset="2"/>
+              <a:buChar char="ü"/>
+            </a:pPr>
+            <a:r>
+              <a:rPr lang="ru-RU" sz="2400" dirty="0">
+                <a:solidFill>
+                  <a:srgbClr val="00B3FF"/>
+                </a:solidFill>
+              </a:rPr>
+              <a:t>изучить архитектуру компьютерных систем,</a:t>
+            </a:r>
+          </a:p>
+          <a:p>
+            <a:pPr marL="457200" indent="-457200">
+              <a:buFont typeface="Wingdings" panose="05000000000000000000" pitchFamily="2" charset="2"/>
+              <a:buChar char="ü"/>
+            </a:pPr>
+            <a:r>
+              <a:rPr lang="ru-RU" sz="2400" dirty="0">
+                <a:solidFill>
+                  <a:srgbClr val="00B3FF"/>
+                </a:solidFill>
+              </a:rPr>
+              <a:t>спроектировать и разработать базу данных</a:t>
+            </a:r>
+          </a:p>
+          <a:p>
+            <a:pPr marL="457200" indent="-457200">
+              <a:buFont typeface="Wingdings" panose="05000000000000000000" pitchFamily="2" charset="2"/>
+              <a:buChar char="ü"/>
+            </a:pPr>
+            <a:r>
+              <a:rPr lang="ru-RU" sz="2400" dirty="0">
+                <a:solidFill>
+                  <a:srgbClr val="00B3FF"/>
+                </a:solidFill>
+              </a:rPr>
+              <a:t>разработать приложение,</a:t>
+            </a:r>
+          </a:p>
+          <a:p>
+            <a:pPr marL="457200" indent="-457200">
+              <a:buFont typeface="Wingdings" panose="05000000000000000000" pitchFamily="2" charset="2"/>
+              <a:buChar char="ü"/>
+            </a:pPr>
+            <a:r>
+              <a:rPr lang="ru-RU" sz="2400" dirty="0">
+                <a:solidFill>
+                  <a:srgbClr val="00B3FF"/>
+                </a:solidFill>
+              </a:rPr>
+              <a:t>провести тестирование приложения,</a:t>
+            </a:r>
+          </a:p>
+          <a:p>
+            <a:pPr marL="457200" indent="-457200">
+              <a:buFont typeface="Wingdings" panose="05000000000000000000" pitchFamily="2" charset="2"/>
+              <a:buChar char="ü"/>
+            </a:pPr>
+            <a:r>
+              <a:rPr lang="ru-RU" sz="2400" dirty="0">
+                <a:solidFill>
+                  <a:srgbClr val="00B3FF"/>
+                </a:solidFill>
+              </a:rPr>
+              <a:t>составить руководство оператора базы данных.</a:t>
+            </a:r>
+          </a:p>
+          <a:p>
+            <a:endParaRPr lang="ru-RU" sz="2400" dirty="0">
+              <a:solidFill>
+                <a:srgbClr val="00B3FF"/>
+              </a:solidFill>
+            </a:endParaRPr>
+          </a:p>
+          <a:p>
+            <a:pPr algn="just"/>
+            <a:r>
+              <a:rPr lang="ru-RU" sz="2800" dirty="0">
+                <a:solidFill>
+                  <a:srgbClr val="00B3FF"/>
+                </a:solidFill>
+              </a:rPr>
+              <a:t>Поставленные задачи выполнены, цель достигнута - разработано приложение «Конфигуратор сборки ПК»</a:t>
+            </a:r>
+          </a:p>
+        </p:txBody>
+      </p:sp>
+      <p:sp>
+        <p:nvSpPr>
+          <p:cNvPr id="5" name="Овал 4">
+            <a:extLst>
+              <a:ext uri="{FF2B5EF4-FFF2-40B4-BE49-F238E27FC236}">
+                <a16:creationId xmlns:a16="http://schemas.microsoft.com/office/drawing/2014/main" id="{18947E99-DF66-425F-A698-22789B795E09}"/>
+              </a:ext>
+            </a:extLst>
+          </p:cNvPr>
+          <p:cNvSpPr/>
+          <p:nvPr/>
+        </p:nvSpPr>
+        <p:spPr>
+          <a:xfrm>
+            <a:off x="179512" y="5949280"/>
+            <a:ext cx="720080" cy="720080"/>
+          </a:xfrm>
+          <a:prstGeom prst="ellipse">
+            <a:avLst/>
+          </a:prstGeom>
+          <a:solidFill>
+            <a:srgbClr val="00B3FF"/>
+          </a:solidFill>
+          <a:ln>
+            <a:solidFill>
+              <a:srgbClr val="00B3FF"/>
+            </a:solidFill>
+          </a:ln>
+        </p:spPr>
+        <p:style>
+          <a:lnRef idx="2">
+            <a:schemeClr val="accent1">
+              <a:shade val="50000"/>
+            </a:schemeClr>
+          </a:lnRef>
+          <a:fillRef idx="1">
+            <a:schemeClr val="accent1"/>
+          </a:fillRef>
+          <a:effectRef idx="0">
+            <a:schemeClr val="accent1"/>
+          </a:effectRef>
+          <a:fontRef idx="minor">
+            <a:schemeClr val="lt1"/>
+          </a:fontRef>
+        </p:style>
+        <p:txBody>
+          <a:bodyPr rtlCol="0" anchor="ctr"/>
+          <a:lstStyle/>
+          <a:p>
+            <a:pPr algn="ctr"/>
+            <a:r>
+              <a:rPr lang="ru-RU" sz="3600" dirty="0"/>
+              <a:t>7</a:t>
+            </a:r>
           </a:p>
         </p:txBody>
       </p:sp>
@@ -5562,7 +6161,7 @@
 </p:sld>
 </file>
 
-<file path=ppt/slides/slide7.xml><?xml version="1.0" encoding="utf-8"?>
+<file path=ppt/slides/slide8.xml><?xml version="1.0" encoding="utf-8"?>
 <p:sld xmlns:a="http://schemas.openxmlformats.org/drawingml/2006/main" xmlns:r="http://schemas.openxmlformats.org/officeDocument/2006/relationships" xmlns:p="http://schemas.openxmlformats.org/presentationml/2006/main">
   <p:cSld>
     <p:spTree>
@@ -5667,7 +6266,7 @@
                   </a:schemeClr>
                 </a:solidFill>
               </a:rPr>
-              <a:t>Студент ПКС-91:</a:t>
+              <a:t>Дипломник:</a:t>
             </a:r>
           </a:p>
           <a:p>
@@ -5783,7 +6382,28 @@
                   </a:schemeClr>
                 </a:solidFill>
               </a:rPr>
-              <a:t>«САНКТ-ПЕТЕРБУРГСКИЙ ГОСУДАРСТВЕННЫЙ УНИВЕРСИТЕТ ТЕЛЕКОММУНИКАЦИЙ ИМ. ПРОФ. М.А. БОНЧ-БРУЕВИЧА»</a:t>
+              <a:t>«САНКТ-ПЕТЕРБУРГСКИЙ ГОСУДАРСТВЕННЫЙ УНИВЕРСИТЕТ</a:t>
+            </a:r>
+            <a:br>
+              <a:rPr lang="ru-RU" sz="1400" b="1" dirty="0">
+                <a:solidFill>
+                  <a:schemeClr val="tx2">
+                    <a:lumMod val="60000"/>
+                    <a:lumOff val="40000"/>
+                  </a:schemeClr>
+                </a:solidFill>
+              </a:rPr>
+            </a:br>
+            <a:r>
+              <a:rPr lang="ru-RU" sz="1400" b="1" dirty="0">
+                <a:solidFill>
+                  <a:schemeClr val="tx2">
+                    <a:lumMod val="60000"/>
+                    <a:lumOff val="40000"/>
+                  </a:schemeClr>
+                </a:solidFill>
+              </a:rPr>
+              <a:t>ТЕЛЕКОММУНИКАЦИЙ ИМ. ПРОФ. М.А. БОНЧ-БРУЕВИЧА»</a:t>
             </a:r>
             <a:endParaRPr lang="ru-RU" sz="1400" dirty="0">
               <a:solidFill>
@@ -5992,7 +6612,7 @@
                   </a:schemeClr>
                 </a:solidFill>
               </a:rPr>
-              <a:t>Архангельск, 2023</a:t>
+              <a:t>Архангельск 2023</a:t>
             </a:r>
           </a:p>
         </p:txBody>
@@ -6000,7 +6620,7 @@
     </p:spTree>
     <p:extLst>
       <p:ext uri="{BB962C8B-B14F-4D97-AF65-F5344CB8AC3E}">
-        <p14:creationId xmlns:p14="http://schemas.microsoft.com/office/powerpoint/2010/main" val="1116403709"/>
+        <p14:creationId xmlns:p14="http://schemas.microsoft.com/office/powerpoint/2010/main" val="3261655461"/>
       </p:ext>
     </p:extLst>
   </p:cSld>

--- a/Презентация.pptx
+++ b/Презентация.pptx
@@ -15,7 +15,7 @@
     <p:sldId id="261" r:id="rId6"/>
     <p:sldId id="271" r:id="rId7"/>
     <p:sldId id="263" r:id="rId8"/>
-    <p:sldId id="270" r:id="rId9"/>
+    <p:sldId id="272" r:id="rId9"/>
   </p:sldIdLst>
   <p:sldSz cx="9144000" cy="6858000" type="screen4x3"/>
   <p:notesSz cx="6858000" cy="9144000"/>
@@ -215,7 +215,7 @@
           <a:p>
             <a:fld id="{227646C8-E5E3-49CC-A239-508B429BD1A4}" type="datetimeFigureOut">
               <a:rPr lang="ru-RU" smtClean="0"/>
-              <a:t>13.06.2023</a:t>
+              <a:t>14.06.2023</a:t>
             </a:fld>
             <a:endParaRPr lang="ru-RU"/>
           </a:p>
@@ -879,6 +879,113 @@
 </p:notes>
 </file>
 
+<file path=ppt/notesSlides/notesSlide5.xml><?xml version="1.0" encoding="utf-8"?>
+<p:notes xmlns:a="http://schemas.openxmlformats.org/drawingml/2006/main" xmlns:r="http://schemas.openxmlformats.org/officeDocument/2006/relationships" xmlns:p="http://schemas.openxmlformats.org/presentationml/2006/main">
+  <p:cSld>
+    <p:spTree>
+      <p:nvGrpSpPr>
+        <p:cNvPr id="1" name=""/>
+        <p:cNvGrpSpPr/>
+        <p:nvPr/>
+      </p:nvGrpSpPr>
+      <p:grpSpPr>
+        <a:xfrm>
+          <a:off x="0" y="0"/>
+          <a:ext cx="0" cy="0"/>
+          <a:chOff x="0" y="0"/>
+          <a:chExt cx="0" cy="0"/>
+        </a:xfrm>
+      </p:grpSpPr>
+      <p:sp>
+        <p:nvSpPr>
+          <p:cNvPr id="2" name="Образ слайда 1"/>
+          <p:cNvSpPr>
+            <a:spLocks noGrp="1" noRot="1" noChangeAspect="1"/>
+          </p:cNvSpPr>
+          <p:nvPr>
+            <p:ph type="sldImg"/>
+          </p:nvPr>
+        </p:nvSpPr>
+        <p:spPr/>
+      </p:sp>
+      <p:sp>
+        <p:nvSpPr>
+          <p:cNvPr id="3" name="Заметки 2"/>
+          <p:cNvSpPr>
+            <a:spLocks noGrp="1"/>
+          </p:cNvSpPr>
+          <p:nvPr>
+            <p:ph type="body" idx="1"/>
+          </p:nvPr>
+        </p:nvSpPr>
+        <p:spPr/>
+        <p:txBody>
+          <a:bodyPr/>
+          <a:lstStyle/>
+          <a:p>
+            <a:pPr marL="0" marR="0" lvl="0" indent="0" algn="l" defTabSz="914400" rtl="0" eaLnBrk="1" fontAlgn="auto" latinLnBrk="0" hangingPunct="1">
+              <a:lnSpc>
+                <a:spcPct val="100000"/>
+              </a:lnSpc>
+              <a:spcBef>
+                <a:spcPts val="0"/>
+              </a:spcBef>
+              <a:spcAft>
+                <a:spcPts val="0"/>
+              </a:spcAft>
+              <a:buClrTx/>
+              <a:buSzTx/>
+              <a:buFontTx/>
+              <a:buNone/>
+              <a:tabLst/>
+              <a:defRPr/>
+            </a:pPr>
+            <a:r>
+              <a:rPr lang="ru-RU" dirty="0"/>
+              <a:t>Уважаемая комиссия, Вашему вниманию предлагается ДП (КП) на тему «Разработка приложения «Конфигуратор сборки ПК»</a:t>
+            </a:r>
+          </a:p>
+          <a:p>
+            <a:endParaRPr lang="ru-RU" dirty="0"/>
+          </a:p>
+        </p:txBody>
+      </p:sp>
+      <p:sp>
+        <p:nvSpPr>
+          <p:cNvPr id="4" name="Номер слайда 3"/>
+          <p:cNvSpPr>
+            <a:spLocks noGrp="1"/>
+          </p:cNvSpPr>
+          <p:nvPr>
+            <p:ph type="sldNum" sz="quarter" idx="5"/>
+          </p:nvPr>
+        </p:nvSpPr>
+        <p:spPr/>
+        <p:txBody>
+          <a:bodyPr/>
+          <a:lstStyle/>
+          <a:p>
+            <a:fld id="{DE54CB7B-D3A3-4BB6-83C0-1EC68D34059F}" type="slidenum">
+              <a:rPr lang="ru-RU" smtClean="0"/>
+              <a:t>8</a:t>
+            </a:fld>
+            <a:endParaRPr lang="ru-RU"/>
+          </a:p>
+        </p:txBody>
+      </p:sp>
+    </p:spTree>
+    <p:extLst>
+      <p:ext uri="{BB962C8B-B14F-4D97-AF65-F5344CB8AC3E}">
+        <p14:creationId xmlns:p14="http://schemas.microsoft.com/office/powerpoint/2010/main" val="3002936361"/>
+      </p:ext>
+    </p:extLst>
+  </p:cSld>
+  <p:clrMapOvr>
+    <a:masterClrMapping/>
+  </p:clrMapOvr>
+</p:notes>
+</file>
+
 <file path=ppt/slideLayouts/slideLayout1.xml><?xml version="1.0" encoding="utf-8"?>
 <p:sldLayout xmlns:a="http://schemas.openxmlformats.org/drawingml/2006/main" xmlns:r="http://schemas.openxmlformats.org/officeDocument/2006/relationships" xmlns:p="http://schemas.openxmlformats.org/presentationml/2006/main" type="title" preserve="1">
   <p:cSld name="Титульный слайд">
@@ -1058,7 +1165,7 @@
           <a:p>
             <a:fld id="{85E1E5F0-3FEF-4606-951C-5892DEFCB6E1}" type="datetimeFigureOut">
               <a:rPr lang="ru-RU" smtClean="0"/>
-              <a:t>13.06.2023</a:t>
+              <a:t>14.06.2023</a:t>
             </a:fld>
             <a:endParaRPr lang="ru-RU"/>
           </a:p>
@@ -1238,7 +1345,7 @@
           <a:p>
             <a:fld id="{85E1E5F0-3FEF-4606-951C-5892DEFCB6E1}" type="datetimeFigureOut">
               <a:rPr lang="ru-RU" smtClean="0"/>
-              <a:t>13.06.2023</a:t>
+              <a:t>14.06.2023</a:t>
             </a:fld>
             <a:endParaRPr lang="ru-RU"/>
           </a:p>
@@ -1428,7 +1535,7 @@
           <a:p>
             <a:fld id="{85E1E5F0-3FEF-4606-951C-5892DEFCB6E1}" type="datetimeFigureOut">
               <a:rPr lang="ru-RU" smtClean="0"/>
-              <a:t>13.06.2023</a:t>
+              <a:t>14.06.2023</a:t>
             </a:fld>
             <a:endParaRPr lang="ru-RU"/>
           </a:p>
@@ -1608,7 +1715,7 @@
           <a:p>
             <a:fld id="{85E1E5F0-3FEF-4606-951C-5892DEFCB6E1}" type="datetimeFigureOut">
               <a:rPr lang="ru-RU" smtClean="0"/>
-              <a:t>13.06.2023</a:t>
+              <a:t>14.06.2023</a:t>
             </a:fld>
             <a:endParaRPr lang="ru-RU"/>
           </a:p>
@@ -1865,7 +1972,7 @@
           <a:p>
             <a:fld id="{85E1E5F0-3FEF-4606-951C-5892DEFCB6E1}" type="datetimeFigureOut">
               <a:rPr lang="ru-RU" smtClean="0"/>
-              <a:t>13.06.2023</a:t>
+              <a:t>14.06.2023</a:t>
             </a:fld>
             <a:endParaRPr lang="ru-RU"/>
           </a:p>
@@ -2162,7 +2269,7 @@
           <a:p>
             <a:fld id="{85E1E5F0-3FEF-4606-951C-5892DEFCB6E1}" type="datetimeFigureOut">
               <a:rPr lang="ru-RU" smtClean="0"/>
-              <a:t>13.06.2023</a:t>
+              <a:t>14.06.2023</a:t>
             </a:fld>
             <a:endParaRPr lang="ru-RU"/>
           </a:p>
@@ -2593,7 +2700,7 @@
           <a:p>
             <a:fld id="{85E1E5F0-3FEF-4606-951C-5892DEFCB6E1}" type="datetimeFigureOut">
               <a:rPr lang="ru-RU" smtClean="0"/>
-              <a:t>13.06.2023</a:t>
+              <a:t>14.06.2023</a:t>
             </a:fld>
             <a:endParaRPr lang="ru-RU"/>
           </a:p>
@@ -2722,7 +2829,7 @@
           <a:p>
             <a:fld id="{85E1E5F0-3FEF-4606-951C-5892DEFCB6E1}" type="datetimeFigureOut">
               <a:rPr lang="ru-RU" smtClean="0"/>
-              <a:t>13.06.2023</a:t>
+              <a:t>14.06.2023</a:t>
             </a:fld>
             <a:endParaRPr lang="ru-RU"/>
           </a:p>
@@ -2829,7 +2936,7 @@
           <a:p>
             <a:fld id="{85E1E5F0-3FEF-4606-951C-5892DEFCB6E1}" type="datetimeFigureOut">
               <a:rPr lang="ru-RU" smtClean="0"/>
-              <a:t>13.06.2023</a:t>
+              <a:t>14.06.2023</a:t>
             </a:fld>
             <a:endParaRPr lang="ru-RU"/>
           </a:p>
@@ -3116,7 +3223,7 @@
           <a:p>
             <a:fld id="{85E1E5F0-3FEF-4606-951C-5892DEFCB6E1}" type="datetimeFigureOut">
               <a:rPr lang="ru-RU" smtClean="0"/>
-              <a:t>13.06.2023</a:t>
+              <a:t>14.06.2023</a:t>
             </a:fld>
             <a:endParaRPr lang="ru-RU"/>
           </a:p>
@@ -3380,7 +3487,7 @@
           <a:p>
             <a:fld id="{85E1E5F0-3FEF-4606-951C-5892DEFCB6E1}" type="datetimeFigureOut">
               <a:rPr lang="ru-RU" smtClean="0"/>
-              <a:t>13.06.2023</a:t>
+              <a:t>14.06.2023</a:t>
             </a:fld>
             <a:endParaRPr lang="ru-RU"/>
           </a:p>
@@ -3603,7 +3710,7 @@
           <a:p>
             <a:fld id="{85E1E5F0-3FEF-4606-951C-5892DEFCB6E1}" type="datetimeFigureOut">
               <a:rPr lang="ru-RU" smtClean="0"/>
-              <a:t>13.06.2023</a:t>
+              <a:t>14.06.2023</a:t>
             </a:fld>
             <a:endParaRPr lang="ru-RU"/>
           </a:p>
@@ -4103,19 +4210,43 @@
                   </a:schemeClr>
                 </a:solidFill>
               </a:rPr>
-              <a:t>Руководитель:</a:t>
+              <a:t>Руководитель</a:t>
+            </a:r>
+            <a:r>
+              <a:rPr lang="ru-RU" b="1" dirty="0" smtClean="0">
+                <a:solidFill>
+                  <a:schemeClr val="tx2">
+                    <a:lumMod val="60000"/>
+                    <a:lumOff val="40000"/>
+                  </a:schemeClr>
+                </a:solidFill>
+              </a:rPr>
+              <a:t>:</a:t>
             </a:r>
           </a:p>
           <a:p>
             <a:pPr algn="r"/>
             <a:r>
-              <a:rPr lang="ru-RU" b="1" dirty="0">
+              <a:rPr lang="ru-RU" b="1" dirty="0" err="1" smtClean="0">
                 <a:solidFill>
                   <a:srgbClr val="00B3FF"/>
                 </a:solidFill>
               </a:rPr>
-              <a:t>Нехлебаева Мария Николаевна</a:t>
-            </a:r>
+              <a:t>Хромова</a:t>
+            </a:r>
+            <a:r>
+              <a:rPr lang="ru-RU" b="1" dirty="0" smtClean="0">
+                <a:solidFill>
+                  <a:srgbClr val="00B3FF"/>
+                </a:solidFill>
+              </a:rPr>
+              <a:t> Любовь Сергеевна</a:t>
+            </a:r>
+            <a:endParaRPr lang="ru-RU" b="1" dirty="0">
+              <a:solidFill>
+                <a:srgbClr val="00B3FF"/>
+              </a:solidFill>
+            </a:endParaRPr>
           </a:p>
         </p:txBody>
       </p:sp>
@@ -4451,6 +4582,13 @@
       </p:transition>
     </mc:Fallback>
   </mc:AlternateContent>
+  <p:timing>
+    <p:tnLst>
+      <p:par>
+        <p:cTn id="1" dur="indefinite" restart="never" nodeType="tmRoot"/>
+      </p:par>
+    </p:tnLst>
+  </p:timing>
 </p:sld>
 </file>
 
@@ -4518,7 +4656,7 @@
         </p:spPr>
         <p:txBody>
           <a:bodyPr>
-            <a:normAutofit fontScale="85000" lnSpcReduction="20000"/>
+            <a:normAutofit fontScale="77500" lnSpcReduction="20000"/>
           </a:bodyPr>
           <a:lstStyle/>
           <a:p>
@@ -4761,6 +4899,13 @@
       </p:transition>
     </mc:Fallback>
   </mc:AlternateContent>
+  <p:timing>
+    <p:tnLst>
+      <p:par>
+        <p:cTn id="1" dur="indefinite" restart="never" nodeType="tmRoot"/>
+      </p:par>
+    </p:tnLst>
+  </p:timing>
 </p:sld>
 </file>
 
@@ -4978,6 +5123,13 @@
       </p:transition>
     </mc:Fallback>
   </mc:AlternateContent>
+  <p:timing>
+    <p:tnLst>
+      <p:par>
+        <p:cTn id="1" dur="indefinite" restart="never" nodeType="tmRoot"/>
+      </p:par>
+    </p:tnLst>
+  </p:timing>
 </p:sld>
 </file>
 
@@ -5246,6 +5398,13 @@
       </p:transition>
     </mc:Fallback>
   </mc:AlternateContent>
+  <p:timing>
+    <p:tnLst>
+      <p:par>
+        <p:cTn id="1" dur="indefinite" restart="never" nodeType="tmRoot"/>
+      </p:par>
+    </p:tnLst>
+  </p:timing>
 </p:sld>
 </file>
 
@@ -5728,6 +5887,13 @@
       </p:transition>
     </mc:Fallback>
   </mc:AlternateContent>
+  <p:timing>
+    <p:tnLst>
+      <p:par>
+        <p:cTn id="1" dur="indefinite" restart="never" nodeType="tmRoot"/>
+      </p:par>
+    </p:tnLst>
+  </p:timing>
 </p:sld>
 </file>
 
@@ -5879,18 +6045,25 @@
   <p:clrMapOvr>
     <a:masterClrMapping/>
   </p:clrMapOvr>
-  <mc:AlternateContent xmlns:mc="http://schemas.openxmlformats.org/markup-compatibility/2006">
-    <mc:Choice xmlns:p14="http://schemas.microsoft.com/office/powerpoint/2010/main" Requires="p14">
+  <mc:AlternateContent xmlns:mc="http://schemas.openxmlformats.org/markup-compatibility/2006" xmlns:p14="http://schemas.microsoft.com/office/powerpoint/2010/main">
+    <mc:Choice Requires="p14">
       <p:transition spd="med" p14:dur="700">
         <p:fade/>
       </p:transition>
     </mc:Choice>
-    <mc:Fallback>
+    <mc:Fallback xmlns="">
       <p:transition spd="med">
         <p:fade/>
       </p:transition>
     </mc:Fallback>
   </mc:AlternateContent>
+  <p:timing>
+    <p:tnLst>
+      <p:par>
+        <p:cTn id="1" dur="indefinite" restart="never" nodeType="tmRoot"/>
+      </p:par>
+    </p:tnLst>
+  </p:timing>
 </p:sld>
 </file>
 
@@ -6158,6 +6331,13 @@
       </p:transition>
     </mc:Fallback>
   </mc:AlternateContent>
+  <p:timing>
+    <p:tnLst>
+      <p:par>
+        <p:cTn id="1" dur="indefinite" restart="never" nodeType="tmRoot"/>
+      </p:par>
+    </p:tnLst>
+  </p:timing>
 </p:sld>
 </file>
 
@@ -6291,19 +6471,43 @@
                   </a:schemeClr>
                 </a:solidFill>
               </a:rPr>
-              <a:t>Руководитель:</a:t>
+              <a:t>Руководитель</a:t>
+            </a:r>
+            <a:r>
+              <a:rPr lang="ru-RU" b="1" dirty="0" smtClean="0">
+                <a:solidFill>
+                  <a:schemeClr val="tx2">
+                    <a:lumMod val="60000"/>
+                    <a:lumOff val="40000"/>
+                  </a:schemeClr>
+                </a:solidFill>
+              </a:rPr>
+              <a:t>:</a:t>
             </a:r>
           </a:p>
           <a:p>
             <a:pPr algn="r"/>
             <a:r>
-              <a:rPr lang="ru-RU" b="1" dirty="0">
+              <a:rPr lang="ru-RU" b="1" dirty="0" err="1" smtClean="0">
                 <a:solidFill>
                   <a:srgbClr val="00B3FF"/>
                 </a:solidFill>
               </a:rPr>
-              <a:t>Нехлебаева Мария Николаевна</a:t>
-            </a:r>
+              <a:t>Хромова</a:t>
+            </a:r>
+            <a:r>
+              <a:rPr lang="ru-RU" b="1" dirty="0" smtClean="0">
+                <a:solidFill>
+                  <a:srgbClr val="00B3FF"/>
+                </a:solidFill>
+              </a:rPr>
+              <a:t> Любовь Сергеевна</a:t>
+            </a:r>
+            <a:endParaRPr lang="ru-RU" b="1" dirty="0">
+              <a:solidFill>
+                <a:srgbClr val="00B3FF"/>
+              </a:solidFill>
+            </a:endParaRPr>
           </a:p>
         </p:txBody>
       </p:sp>
@@ -6620,25 +6824,32 @@
     </p:spTree>
     <p:extLst>
       <p:ext uri="{BB962C8B-B14F-4D97-AF65-F5344CB8AC3E}">
-        <p14:creationId xmlns:p14="http://schemas.microsoft.com/office/powerpoint/2010/main" val="3261655461"/>
+        <p14:creationId xmlns:p14="http://schemas.microsoft.com/office/powerpoint/2010/main" val="1601761933"/>
       </p:ext>
     </p:extLst>
   </p:cSld>
   <p:clrMapOvr>
     <a:masterClrMapping/>
   </p:clrMapOvr>
-  <mc:AlternateContent xmlns:mc="http://schemas.openxmlformats.org/markup-compatibility/2006">
-    <mc:Choice xmlns:p14="http://schemas.microsoft.com/office/powerpoint/2010/main" Requires="p14">
+  <mc:AlternateContent xmlns:mc="http://schemas.openxmlformats.org/markup-compatibility/2006" xmlns:p14="http://schemas.microsoft.com/office/powerpoint/2010/main">
+    <mc:Choice Requires="p14">
       <p:transition spd="med" p14:dur="700">
         <p:fade/>
       </p:transition>
     </mc:Choice>
-    <mc:Fallback>
+    <mc:Fallback xmlns="">
       <p:transition spd="med">
         <p:fade/>
       </p:transition>
     </mc:Fallback>
   </mc:AlternateContent>
+  <p:timing>
+    <p:tnLst>
+      <p:par>
+        <p:cTn id="1" dur="indefinite" restart="never" nodeType="tmRoot"/>
+      </p:par>
+    </p:tnLst>
+  </p:timing>
 </p:sld>
 </file>
 
